--- a/Phase3_Project.pptx
+++ b/Phase3_Project.pptx
@@ -231,7 +231,7 @@
           <a:p>
             <a:fld id="{C8D18E60-4300-4729-A0D7-6AB984C3922D}" type="datetimeFigureOut">
               <a:rPr lang="en-US" smtClean="0"/>
-              <a:t>8/29/2024</a:t>
+              <a:t>8/30/2024</a:t>
             </a:fld>
             <a:endParaRPr lang="en-US"/>
           </a:p>
@@ -894,7 +894,7 @@
             <a:fld id="{53074F12-AA26-4AC8-9962-C36BB8F32554}" type="datetimeFigureOut">
               <a:rPr lang="en-US" smtClean="0"/>
               <a:pPr/>
-              <a:t>8/29/2024</a:t>
+              <a:t>8/30/2024</a:t>
             </a:fld>
             <a:endParaRPr lang="en-US"/>
           </a:p>
@@ -1148,7 +1148,7 @@
             <a:fld id="{53074F12-AA26-4AC8-9962-C36BB8F32554}" type="datetimeFigureOut">
               <a:rPr lang="en-US" smtClean="0"/>
               <a:pPr/>
-              <a:t>8/29/2024</a:t>
+              <a:t>8/30/2024</a:t>
             </a:fld>
             <a:endParaRPr lang="en-US"/>
           </a:p>
@@ -1318,7 +1318,7 @@
             <a:fld id="{53074F12-AA26-4AC8-9962-C36BB8F32554}" type="datetimeFigureOut">
               <a:rPr lang="en-US" smtClean="0"/>
               <a:pPr/>
-              <a:t>8/29/2024</a:t>
+              <a:t>8/30/2024</a:t>
             </a:fld>
             <a:endParaRPr lang="en-US"/>
           </a:p>
@@ -1498,7 +1498,7 @@
             <a:fld id="{53074F12-AA26-4AC8-9962-C36BB8F32554}" type="datetimeFigureOut">
               <a:rPr lang="en-US" smtClean="0"/>
               <a:pPr/>
-              <a:t>8/29/2024</a:t>
+              <a:t>8/30/2024</a:t>
             </a:fld>
             <a:endParaRPr lang="en-US"/>
           </a:p>
@@ -1783,7 +1783,7 @@
             <a:fld id="{53074F12-AA26-4AC8-9962-C36BB8F32554}" type="datetimeFigureOut">
               <a:rPr lang="en-US" smtClean="0"/>
               <a:pPr/>
-              <a:t>8/29/2024</a:t>
+              <a:t>8/30/2024</a:t>
             </a:fld>
             <a:endParaRPr lang="en-US"/>
           </a:p>
@@ -2033,7 +2033,7 @@
             <a:fld id="{53074F12-AA26-4AC8-9962-C36BB8F32554}" type="datetimeFigureOut">
               <a:rPr lang="en-US" smtClean="0"/>
               <a:pPr/>
-              <a:t>8/29/2024</a:t>
+              <a:t>8/30/2024</a:t>
             </a:fld>
             <a:endParaRPr lang="en-US"/>
           </a:p>
@@ -2280,7 +2280,7 @@
             <a:fld id="{53074F12-AA26-4AC8-9962-C36BB8F32554}" type="datetimeFigureOut">
               <a:rPr lang="en-US" smtClean="0"/>
               <a:pPr/>
-              <a:t>8/29/2024</a:t>
+              <a:t>8/30/2024</a:t>
             </a:fld>
             <a:endParaRPr lang="en-US"/>
           </a:p>
@@ -2567,7 +2567,7 @@
             <a:fld id="{53074F12-AA26-4AC8-9962-C36BB8F32554}" type="datetimeFigureOut">
               <a:rPr lang="en-US" smtClean="0"/>
               <a:pPr/>
-              <a:t>8/29/2024</a:t>
+              <a:t>8/30/2024</a:t>
             </a:fld>
             <a:endParaRPr lang="en-US"/>
           </a:p>
@@ -3057,7 +3057,7 @@
             <a:fld id="{53074F12-AA26-4AC8-9962-C36BB8F32554}" type="datetimeFigureOut">
               <a:rPr lang="en-US" smtClean="0"/>
               <a:pPr/>
-              <a:t>8/29/2024</a:t>
+              <a:t>8/30/2024</a:t>
             </a:fld>
             <a:endParaRPr lang="en-US"/>
           </a:p>
@@ -3176,7 +3176,7 @@
             <a:fld id="{53074F12-AA26-4AC8-9962-C36BB8F32554}" type="datetimeFigureOut">
               <a:rPr lang="en-US" smtClean="0"/>
               <a:pPr/>
-              <a:t>8/29/2024</a:t>
+              <a:t>8/30/2024</a:t>
             </a:fld>
             <a:endParaRPr lang="en-US"/>
           </a:p>
@@ -3273,7 +3273,7 @@
             <a:fld id="{53074F12-AA26-4AC8-9962-C36BB8F32554}" type="datetimeFigureOut">
               <a:rPr lang="en-US" smtClean="0"/>
               <a:pPr/>
-              <a:t>8/29/2024</a:t>
+              <a:t>8/30/2024</a:t>
             </a:fld>
             <a:endParaRPr lang="en-US"/>
           </a:p>
@@ -3550,7 +3550,7 @@
             <a:fld id="{53074F12-AA26-4AC8-9962-C36BB8F32554}" type="datetimeFigureOut">
               <a:rPr lang="en-US" smtClean="0"/>
               <a:pPr/>
-              <a:t>8/29/2024</a:t>
+              <a:t>8/30/2024</a:t>
             </a:fld>
             <a:endParaRPr lang="en-US"/>
           </a:p>
@@ -3772,7 +3772,7 @@
             <a:fld id="{53074F12-AA26-4AC8-9962-C36BB8F32554}" type="datetimeFigureOut">
               <a:rPr lang="en-US" smtClean="0"/>
               <a:pPr/>
-              <a:t>8/29/2024</a:t>
+              <a:t>8/30/2024</a:t>
             </a:fld>
             <a:endParaRPr lang="en-US"/>
           </a:p>
@@ -4299,6 +4299,45 @@
           </a:p>
         </p:txBody>
       </p:sp>
+      <p:sp>
+        <p:nvSpPr>
+          <p:cNvPr id="2" name="TextBox 1">
+            <a:extLst>
+              <a:ext uri="{FF2B5EF4-FFF2-40B4-BE49-F238E27FC236}">
+                <a16:creationId xmlns:a16="http://schemas.microsoft.com/office/drawing/2014/main" id="{09633AB3-5939-06D0-DA72-86914033A42A}"/>
+              </a:ext>
+            </a:extLst>
+          </p:cNvPr>
+          <p:cNvSpPr txBox="1"/>
+          <p:nvPr/>
+        </p:nvSpPr>
+        <p:spPr>
+          <a:xfrm>
+            <a:off x="372533" y="4775200"/>
+            <a:ext cx="1682045" cy="368300"/>
+          </a:xfrm>
+          <a:prstGeom prst="rect">
+            <a:avLst/>
+          </a:prstGeom>
+          <a:noFill/>
+        </p:spPr>
+        <p:txBody>
+          <a:bodyPr wrap="square" rtlCol="0">
+            <a:spAutoFit/>
+          </a:bodyPr>
+          <a:lstStyle/>
+          <a:p>
+            <a:r>
+              <a:rPr lang="en-US" dirty="0">
+                <a:solidFill>
+                  <a:schemeClr val="bg1"/>
+                </a:solidFill>
+              </a:rPr>
+              <a:t>Nancy Maina</a:t>
+            </a:r>
+          </a:p>
+        </p:txBody>
+      </p:sp>
     </p:spTree>
     <p:extLst>
       <p:ext uri="{BB962C8B-B14F-4D97-AF65-F5344CB8AC3E}">
@@ -5784,8 +5823,8 @@
         </p:nvSpPr>
         <p:spPr>
           <a:xfrm>
-            <a:off x="5837129" y="2340038"/>
-            <a:ext cx="3169084" cy="2308324"/>
+            <a:off x="5780685" y="2047209"/>
+            <a:ext cx="3169084" cy="2862322"/>
           </a:xfrm>
           <a:prstGeom prst="rect">
             <a:avLst/>
@@ -5799,8 +5838,28 @@
           <a:lstStyle/>
           <a:p>
             <a:r>
+              <a:rPr lang="en-US" b="1" dirty="0"/>
+              <a:t>Confusion Matrix Analysis</a:t>
+            </a:r>
+          </a:p>
+          <a:p>
+            <a:pPr marL="285750" indent="-285750">
+              <a:buFont typeface="Wingdings" panose="05000000000000000000" pitchFamily="2" charset="2"/>
+              <a:buChar char="Ø"/>
+            </a:pPr>
+            <a:r>
               <a:rPr lang="en-US" dirty="0"/>
-              <a:t>The model is consistently good at predicting the correct class with an accuracy of 94% and weighted average of 95%. It doesn’t miss many true positives and doesn’t make many mistakes in its predictions.</a:t>
+              <a:t>The model is consistently good at predicting the correct class with an accuracy of 94% and weighted average of 95%.</a:t>
+            </a:r>
+          </a:p>
+          <a:p>
+            <a:pPr marL="285750" indent="-285750">
+              <a:buFont typeface="Wingdings" panose="05000000000000000000" pitchFamily="2" charset="2"/>
+              <a:buChar char="Ø"/>
+            </a:pPr>
+            <a:r>
+              <a:rPr lang="en-US" dirty="0"/>
+              <a:t> It doesn’t miss many true positives and doesn’t make many mistakes in its predictions.</a:t>
             </a:r>
           </a:p>
         </p:txBody>
@@ -6196,7 +6255,7 @@
         </p:spPr>
         <p:txBody>
           <a:bodyPr>
-            <a:normAutofit/>
+            <a:normAutofit fontScale="85000" lnSpcReduction="20000"/>
           </a:bodyPr>
           <a:lstStyle/>
           <a:p>
@@ -6218,6 +6277,48 @@
             <a:r>
               <a:rPr lang="en-US" dirty="0"/>
               <a:t> </a:t>
+            </a:r>
+          </a:p>
+          <a:p>
+            <a:pPr algn="l"/>
+            <a:r>
+              <a:rPr lang="en-US" dirty="0"/>
+              <a:t>Maina, N. (2024). Tableau Dashboard. </a:t>
+            </a:r>
+            <a:r>
+              <a:rPr lang="en-US" dirty="0">
+                <a:hlinkClick r:id="rId3"/>
+              </a:rPr>
+              <a:t>https://public.tableau.com/views/DrugABCXYMachineLearningproject/Dashboard2?:language=en-US&amp;publish=yes&amp;:sid=&amp;:redirect=auth&amp;:display_count=n&amp;:origin=viz_share_link</a:t>
+            </a:r>
+            <a:r>
+              <a:rPr lang="en-US" dirty="0"/>
+              <a:t> </a:t>
+            </a:r>
+          </a:p>
+          <a:p>
+            <a:pPr algn="l"/>
+            <a:r>
+              <a:rPr lang="en-US" dirty="0"/>
+              <a:t>Maina, N. (2024). </a:t>
+            </a:r>
+            <a:r>
+              <a:rPr lang="en-US" dirty="0" err="1"/>
+              <a:t>Github</a:t>
+            </a:r>
+            <a:r>
+              <a:rPr lang="en-US" dirty="0"/>
+              <a:t> Repo. </a:t>
+            </a:r>
+            <a:r>
+              <a:rPr lang="en-US" dirty="0">
+                <a:hlinkClick r:id="rId4"/>
+              </a:rPr>
+              <a:t>https://github.com/Nmwangu2/Phase3_project.git</a:t>
+            </a:r>
+            <a:r>
+              <a:rPr lang="en-US" dirty="0"/>
+              <a:t>   </a:t>
             </a:r>
           </a:p>
         </p:txBody>

--- a/Phase3_Project.pptx
+++ b/Phase3_Project.pptx
@@ -231,7 +231,7 @@
           <a:p>
             <a:fld id="{C8D18E60-4300-4729-A0D7-6AB984C3922D}" type="datetimeFigureOut">
               <a:rPr lang="en-US" smtClean="0"/>
-              <a:t>8/30/2024</a:t>
+              <a:t>9/2/2024</a:t>
             </a:fld>
             <a:endParaRPr lang="en-US"/>
           </a:p>
@@ -894,7 +894,7 @@
             <a:fld id="{53074F12-AA26-4AC8-9962-C36BB8F32554}" type="datetimeFigureOut">
               <a:rPr lang="en-US" smtClean="0"/>
               <a:pPr/>
-              <a:t>8/30/2024</a:t>
+              <a:t>9/2/2024</a:t>
             </a:fld>
             <a:endParaRPr lang="en-US"/>
           </a:p>
@@ -1148,7 +1148,7 @@
             <a:fld id="{53074F12-AA26-4AC8-9962-C36BB8F32554}" type="datetimeFigureOut">
               <a:rPr lang="en-US" smtClean="0"/>
               <a:pPr/>
-              <a:t>8/30/2024</a:t>
+              <a:t>9/2/2024</a:t>
             </a:fld>
             <a:endParaRPr lang="en-US"/>
           </a:p>
@@ -1318,7 +1318,7 @@
             <a:fld id="{53074F12-AA26-4AC8-9962-C36BB8F32554}" type="datetimeFigureOut">
               <a:rPr lang="en-US" smtClean="0"/>
               <a:pPr/>
-              <a:t>8/30/2024</a:t>
+              <a:t>9/2/2024</a:t>
             </a:fld>
             <a:endParaRPr lang="en-US"/>
           </a:p>
@@ -1498,7 +1498,7 @@
             <a:fld id="{53074F12-AA26-4AC8-9962-C36BB8F32554}" type="datetimeFigureOut">
               <a:rPr lang="en-US" smtClean="0"/>
               <a:pPr/>
-              <a:t>8/30/2024</a:t>
+              <a:t>9/2/2024</a:t>
             </a:fld>
             <a:endParaRPr lang="en-US"/>
           </a:p>
@@ -1783,7 +1783,7 @@
             <a:fld id="{53074F12-AA26-4AC8-9962-C36BB8F32554}" type="datetimeFigureOut">
               <a:rPr lang="en-US" smtClean="0"/>
               <a:pPr/>
-              <a:t>8/30/2024</a:t>
+              <a:t>9/2/2024</a:t>
             </a:fld>
             <a:endParaRPr lang="en-US"/>
           </a:p>
@@ -2033,7 +2033,7 @@
             <a:fld id="{53074F12-AA26-4AC8-9962-C36BB8F32554}" type="datetimeFigureOut">
               <a:rPr lang="en-US" smtClean="0"/>
               <a:pPr/>
-              <a:t>8/30/2024</a:t>
+              <a:t>9/2/2024</a:t>
             </a:fld>
             <a:endParaRPr lang="en-US"/>
           </a:p>
@@ -2280,7 +2280,7 @@
             <a:fld id="{53074F12-AA26-4AC8-9962-C36BB8F32554}" type="datetimeFigureOut">
               <a:rPr lang="en-US" smtClean="0"/>
               <a:pPr/>
-              <a:t>8/30/2024</a:t>
+              <a:t>9/2/2024</a:t>
             </a:fld>
             <a:endParaRPr lang="en-US"/>
           </a:p>
@@ -2567,7 +2567,7 @@
             <a:fld id="{53074F12-AA26-4AC8-9962-C36BB8F32554}" type="datetimeFigureOut">
               <a:rPr lang="en-US" smtClean="0"/>
               <a:pPr/>
-              <a:t>8/30/2024</a:t>
+              <a:t>9/2/2024</a:t>
             </a:fld>
             <a:endParaRPr lang="en-US"/>
           </a:p>
@@ -3057,7 +3057,7 @@
             <a:fld id="{53074F12-AA26-4AC8-9962-C36BB8F32554}" type="datetimeFigureOut">
               <a:rPr lang="en-US" smtClean="0"/>
               <a:pPr/>
-              <a:t>8/30/2024</a:t>
+              <a:t>9/2/2024</a:t>
             </a:fld>
             <a:endParaRPr lang="en-US"/>
           </a:p>
@@ -3176,7 +3176,7 @@
             <a:fld id="{53074F12-AA26-4AC8-9962-C36BB8F32554}" type="datetimeFigureOut">
               <a:rPr lang="en-US" smtClean="0"/>
               <a:pPr/>
-              <a:t>8/30/2024</a:t>
+              <a:t>9/2/2024</a:t>
             </a:fld>
             <a:endParaRPr lang="en-US"/>
           </a:p>
@@ -3273,7 +3273,7 @@
             <a:fld id="{53074F12-AA26-4AC8-9962-C36BB8F32554}" type="datetimeFigureOut">
               <a:rPr lang="en-US" smtClean="0"/>
               <a:pPr/>
-              <a:t>8/30/2024</a:t>
+              <a:t>9/2/2024</a:t>
             </a:fld>
             <a:endParaRPr lang="en-US"/>
           </a:p>
@@ -3550,7 +3550,7 @@
             <a:fld id="{53074F12-AA26-4AC8-9962-C36BB8F32554}" type="datetimeFigureOut">
               <a:rPr lang="en-US" smtClean="0"/>
               <a:pPr/>
-              <a:t>8/30/2024</a:t>
+              <a:t>9/2/2024</a:t>
             </a:fld>
             <a:endParaRPr lang="en-US"/>
           </a:p>
@@ -3772,7 +3772,7 @@
             <a:fld id="{53074F12-AA26-4AC8-9962-C36BB8F32554}" type="datetimeFigureOut">
               <a:rPr lang="en-US" smtClean="0"/>
               <a:pPr/>
-              <a:t>8/30/2024</a:t>
+              <a:t>9/2/2024</a:t>
             </a:fld>
             <a:endParaRPr lang="en-US"/>
           </a:p>
@@ -4561,14 +4561,14 @@
             <a:pPr algn="l"/>
             <a:r>
               <a:rPr lang="en-US" dirty="0"/>
-              <a:t> Patients with high blood pressure (BP = 2) are more likely to receive Drug C.</a:t>
+              <a:t> Patients with high blood pressure (BP = 2) are more likely to receive Drug 2(C).</a:t>
             </a:r>
           </a:p>
           <a:p>
             <a:pPr algn="l"/>
             <a:r>
               <a:rPr lang="en-US" dirty="0"/>
-              <a:t>  Drugs A and B are commonly prescribed for low blood pressure (BP = 0).</a:t>
+              <a:t>  Drugs A (0)and B (1)are commonly prescribed for low blood pressure (BP = 0).</a:t>
             </a:r>
           </a:p>
           <a:p>
@@ -4579,10 +4579,10 @@
       </p:sp>
       <p:pic>
         <p:nvPicPr>
-          <p:cNvPr id="4" name="Picture 3">
+          <p:cNvPr id="3" name="Picture 2">
             <a:extLst>
               <a:ext uri="{FF2B5EF4-FFF2-40B4-BE49-F238E27FC236}">
-                <a16:creationId xmlns:a16="http://schemas.microsoft.com/office/drawing/2014/main" id="{74D912E3-F516-BE4F-01E9-5BBCADCEBCA4}"/>
+                <a16:creationId xmlns:a16="http://schemas.microsoft.com/office/drawing/2014/main" id="{140355C4-8797-9806-BD9D-CC8AB4BB3448}"/>
               </a:ext>
             </a:extLst>
           </p:cNvPr>
@@ -4591,16 +4591,15 @@
           </p:cNvPicPr>
           <p:nvPr/>
         </p:nvPicPr>
-        <p:blipFill>
+        <p:blipFill rotWithShape="1">
           <a:blip r:embed="rId2"/>
-          <a:stretch>
-            <a:fillRect/>
-          </a:stretch>
+          <a:srcRect l="50000" t="9438" r="-671" b="46306"/>
+          <a:stretch/>
         </p:blipFill>
         <p:spPr>
           <a:xfrm>
-            <a:off x="767644" y="1364289"/>
-            <a:ext cx="4357511" cy="3442131"/>
+            <a:off x="213322" y="1873955"/>
+            <a:ext cx="4573167" cy="2642219"/>
           </a:xfrm>
           <a:prstGeom prst="rect">
             <a:avLst/>
@@ -4689,24 +4688,24 @@
         </p:spPr>
         <p:txBody>
           <a:bodyPr>
-            <a:normAutofit fontScale="92500"/>
+            <a:normAutofit fontScale="92500" lnSpcReduction="10000"/>
           </a:bodyPr>
           <a:lstStyle/>
           <a:p>
             <a:pPr algn="l"/>
             <a:r>
               <a:rPr lang="en-US" dirty="0"/>
-              <a:t>High cholesterol (Cholesterol = 1) is a common factor for patients receiving Drugs A, B, and C.</a:t>
+              <a:t>High cholesterol (Cholesterol = 1) is a common factor for patients receiving Drugs A (0), B (1), and C(3).</a:t>
             </a:r>
           </a:p>
         </p:txBody>
       </p:sp>
       <p:pic>
         <p:nvPicPr>
-          <p:cNvPr id="3" name="Picture 2">
+          <p:cNvPr id="4" name="Picture 3">
             <a:extLst>
               <a:ext uri="{FF2B5EF4-FFF2-40B4-BE49-F238E27FC236}">
-                <a16:creationId xmlns:a16="http://schemas.microsoft.com/office/drawing/2014/main" id="{13C211C5-7AF2-055B-9C66-30A9908D10F0}"/>
+                <a16:creationId xmlns:a16="http://schemas.microsoft.com/office/drawing/2014/main" id="{6D53D9F5-CF57-2950-7065-E177CBF0C5EC}"/>
               </a:ext>
             </a:extLst>
           </p:cNvPr>
@@ -4715,16 +4714,15 @@
           </p:cNvPicPr>
           <p:nvPr/>
         </p:nvPicPr>
-        <p:blipFill>
+        <p:blipFill rotWithShape="1">
           <a:blip r:embed="rId2"/>
-          <a:stretch>
-            <a:fillRect/>
-          </a:stretch>
+          <a:srcRect t="52236" r="50000"/>
+          <a:stretch/>
         </p:blipFill>
         <p:spPr>
           <a:xfrm>
-            <a:off x="985574" y="1296662"/>
-            <a:ext cx="4303359" cy="3453313"/>
+            <a:off x="475608" y="1398801"/>
+            <a:ext cx="5531139" cy="3495322"/>
           </a:xfrm>
           <a:prstGeom prst="rect">
             <a:avLst/>
@@ -4942,17 +4940,17 @@
             <a:pPr algn="l"/>
             <a:r>
               <a:rPr lang="en-US" dirty="0"/>
-              <a:t>Patients on Drug Y generally have higher sodium to potassium ratios.</a:t>
+              <a:t>Patients on Drug Y(4) generally have higher sodium to potassium ratios.</a:t>
             </a:r>
           </a:p>
         </p:txBody>
       </p:sp>
       <p:pic>
         <p:nvPicPr>
-          <p:cNvPr id="3" name="Picture 2">
+          <p:cNvPr id="4" name="Picture 3">
             <a:extLst>
               <a:ext uri="{FF2B5EF4-FFF2-40B4-BE49-F238E27FC236}">
-                <a16:creationId xmlns:a16="http://schemas.microsoft.com/office/drawing/2014/main" id="{65661EB6-AF1B-CCF1-E34C-7279B4218666}"/>
+                <a16:creationId xmlns:a16="http://schemas.microsoft.com/office/drawing/2014/main" id="{62CAD7A1-84DC-CF2A-8A32-435387367E01}"/>
               </a:ext>
             </a:extLst>
           </p:cNvPr>
@@ -4961,16 +4959,15 @@
           </p:cNvPicPr>
           <p:nvPr/>
         </p:nvPicPr>
-        <p:blipFill>
+        <p:blipFill rotWithShape="1">
           <a:blip r:embed="rId2"/>
-          <a:stretch>
-            <a:fillRect/>
-          </a:stretch>
+          <a:srcRect l="50000" t="52236"/>
+          <a:stretch/>
         </p:blipFill>
         <p:spPr>
           <a:xfrm>
-            <a:off x="520410" y="1418576"/>
-            <a:ext cx="4604746" cy="3728042"/>
+            <a:off x="316089" y="1682043"/>
+            <a:ext cx="4716094" cy="2980267"/>
           </a:xfrm>
           <a:prstGeom prst="rect">
             <a:avLst/>
@@ -5066,17 +5063,17 @@
             <a:pPr algn="l"/>
             <a:r>
               <a:rPr lang="en-US" dirty="0"/>
-              <a:t>There's a positive correlation between age and sodium to potassium ratio.</a:t>
+              <a:t>There's a positive corr. predicted and actual drug </a:t>
             </a:r>
           </a:p>
         </p:txBody>
       </p:sp>
       <p:pic>
         <p:nvPicPr>
-          <p:cNvPr id="4" name="Picture 3">
+          <p:cNvPr id="3" name="Picture 2">
             <a:extLst>
               <a:ext uri="{FF2B5EF4-FFF2-40B4-BE49-F238E27FC236}">
-                <a16:creationId xmlns:a16="http://schemas.microsoft.com/office/drawing/2014/main" id="{BF3081D1-7F87-F216-CB35-780D951B8692}"/>
+                <a16:creationId xmlns:a16="http://schemas.microsoft.com/office/drawing/2014/main" id="{EB47CFE3-1E41-23E7-4008-E8BAC8B377D4}"/>
               </a:ext>
             </a:extLst>
           </p:cNvPr>
@@ -5093,8 +5090,8 @@
         </p:blipFill>
         <p:spPr>
           <a:xfrm>
-            <a:off x="677333" y="1420040"/>
-            <a:ext cx="4126265" cy="3334726"/>
+            <a:off x="0" y="1306006"/>
+            <a:ext cx="4941358" cy="4058336"/>
           </a:xfrm>
           <a:prstGeom prst="rect">
             <a:avLst/>
